--- a/Presentation1.pptx
+++ b/Presentation1.pptx
@@ -289,7 +289,7 @@
             <a:fld id="{F6EBA231-BB5F-4976-B8F6-48B30BFB46D4}" type="datetimeFigureOut">
               <a:rPr lang="en-US" smtClean="0"/>
               <a:pPr/>
-              <a:t>8/8/2013</a:t>
+              <a:t>8/2/2013</a:t>
             </a:fld>
             <a:endParaRPr lang="en-US"/>
           </a:p>
@@ -456,7 +456,7 @@
             <a:fld id="{F6EBA231-BB5F-4976-B8F6-48B30BFB46D4}" type="datetimeFigureOut">
               <a:rPr lang="en-US" smtClean="0"/>
               <a:pPr/>
-              <a:t>8/8/2013</a:t>
+              <a:t>8/2/2013</a:t>
             </a:fld>
             <a:endParaRPr lang="en-US"/>
           </a:p>
@@ -633,7 +633,7 @@
             <a:fld id="{F6EBA231-BB5F-4976-B8F6-48B30BFB46D4}" type="datetimeFigureOut">
               <a:rPr lang="en-US" smtClean="0"/>
               <a:pPr/>
-              <a:t>8/8/2013</a:t>
+              <a:t>8/2/2013</a:t>
             </a:fld>
             <a:endParaRPr lang="en-US"/>
           </a:p>
@@ -800,7 +800,7 @@
             <a:fld id="{F6EBA231-BB5F-4976-B8F6-48B30BFB46D4}" type="datetimeFigureOut">
               <a:rPr lang="en-US" smtClean="0"/>
               <a:pPr/>
-              <a:t>8/8/2013</a:t>
+              <a:t>8/2/2013</a:t>
             </a:fld>
             <a:endParaRPr lang="en-US"/>
           </a:p>
@@ -1043,7 +1043,7 @@
             <a:fld id="{F6EBA231-BB5F-4976-B8F6-48B30BFB46D4}" type="datetimeFigureOut">
               <a:rPr lang="en-US" smtClean="0"/>
               <a:pPr/>
-              <a:t>8/8/2013</a:t>
+              <a:t>8/2/2013</a:t>
             </a:fld>
             <a:endParaRPr lang="en-US"/>
           </a:p>
@@ -1328,7 +1328,7 @@
             <a:fld id="{F6EBA231-BB5F-4976-B8F6-48B30BFB46D4}" type="datetimeFigureOut">
               <a:rPr lang="en-US" smtClean="0"/>
               <a:pPr/>
-              <a:t>8/8/2013</a:t>
+              <a:t>8/2/2013</a:t>
             </a:fld>
             <a:endParaRPr lang="en-US"/>
           </a:p>
@@ -1747,7 +1747,7 @@
             <a:fld id="{F6EBA231-BB5F-4976-B8F6-48B30BFB46D4}" type="datetimeFigureOut">
               <a:rPr lang="en-US" smtClean="0"/>
               <a:pPr/>
-              <a:t>8/8/2013</a:t>
+              <a:t>8/2/2013</a:t>
             </a:fld>
             <a:endParaRPr lang="en-US"/>
           </a:p>
@@ -1862,7 +1862,7 @@
             <a:fld id="{F6EBA231-BB5F-4976-B8F6-48B30BFB46D4}" type="datetimeFigureOut">
               <a:rPr lang="en-US" smtClean="0"/>
               <a:pPr/>
-              <a:t>8/8/2013</a:t>
+              <a:t>8/2/2013</a:t>
             </a:fld>
             <a:endParaRPr lang="en-US"/>
           </a:p>
@@ -1954,7 +1954,7 @@
             <a:fld id="{F6EBA231-BB5F-4976-B8F6-48B30BFB46D4}" type="datetimeFigureOut">
               <a:rPr lang="en-US" smtClean="0"/>
               <a:pPr/>
-              <a:t>8/8/2013</a:t>
+              <a:t>8/2/2013</a:t>
             </a:fld>
             <a:endParaRPr lang="en-US"/>
           </a:p>
@@ -2228,7 +2228,7 @@
             <a:fld id="{F6EBA231-BB5F-4976-B8F6-48B30BFB46D4}" type="datetimeFigureOut">
               <a:rPr lang="en-US" smtClean="0"/>
               <a:pPr/>
-              <a:t>8/8/2013</a:t>
+              <a:t>8/2/2013</a:t>
             </a:fld>
             <a:endParaRPr lang="en-US"/>
           </a:p>
@@ -2478,7 +2478,7 @@
             <a:fld id="{F6EBA231-BB5F-4976-B8F6-48B30BFB46D4}" type="datetimeFigureOut">
               <a:rPr lang="en-US" smtClean="0"/>
               <a:pPr/>
-              <a:t>8/8/2013</a:t>
+              <a:t>8/2/2013</a:t>
             </a:fld>
             <a:endParaRPr lang="en-US"/>
           </a:p>
@@ -2688,7 +2688,7 @@
             <a:fld id="{F6EBA231-BB5F-4976-B8F6-48B30BFB46D4}" type="datetimeFigureOut">
               <a:rPr lang="en-US" smtClean="0"/>
               <a:pPr/>
-              <a:t>8/8/2013</a:t>
+              <a:t>8/2/2013</a:t>
             </a:fld>
             <a:endParaRPr lang="en-US"/>
           </a:p>
@@ -3965,114 +3965,6 @@
           </a:p>
         </p:txBody>
       </p:sp>
-      <p:grpSp>
-        <p:nvGrpSpPr>
-          <p:cNvPr id="23" name="Group 22"/>
-          <p:cNvGrpSpPr/>
-          <p:nvPr/>
-        </p:nvGrpSpPr>
-        <p:grpSpPr>
-          <a:xfrm flipH="1">
-            <a:off x="7239000" y="3048000"/>
-            <a:ext cx="533400" cy="685800"/>
-            <a:chOff x="7239000" y="3048000"/>
-            <a:chExt cx="533400" cy="685800"/>
-          </a:xfrm>
-        </p:grpSpPr>
-        <p:sp>
-          <p:nvSpPr>
-            <p:cNvPr id="21" name="Frame 20"/>
-            <p:cNvSpPr/>
-            <p:nvPr/>
-          </p:nvSpPr>
-          <p:spPr>
-            <a:xfrm>
-              <a:off x="7239000" y="3048000"/>
-              <a:ext cx="533400" cy="685800"/>
-            </a:xfrm>
-            <a:prstGeom prst="frame">
-              <a:avLst>
-                <a:gd name="adj1" fmla="val 24675"/>
-              </a:avLst>
-            </a:prstGeom>
-            <a:solidFill>
-              <a:schemeClr val="tx1">
-                <a:lumMod val="65000"/>
-                <a:lumOff val="35000"/>
-              </a:schemeClr>
-            </a:solidFill>
-            <a:ln>
-              <a:noFill/>
-            </a:ln>
-          </p:spPr>
-          <p:style>
-            <a:lnRef idx="2">
-              <a:schemeClr val="accent1">
-                <a:shade val="50000"/>
-              </a:schemeClr>
-            </a:lnRef>
-            <a:fillRef idx="1">
-              <a:schemeClr val="accent1"/>
-            </a:fillRef>
-            <a:effectRef idx="0">
-              <a:schemeClr val="accent1"/>
-            </a:effectRef>
-            <a:fontRef idx="minor">
-              <a:schemeClr val="lt1"/>
-            </a:fontRef>
-          </p:style>
-          <p:txBody>
-            <a:bodyPr rtlCol="0" anchor="ctr"/>
-            <a:lstStyle/>
-            <a:p>
-              <a:pPr algn="ctr"/>
-              <a:endParaRPr lang="en-US">
-                <a:solidFill>
-                  <a:schemeClr val="tx1"/>
-                </a:solidFill>
-              </a:endParaRPr>
-            </a:p>
-          </p:txBody>
-        </p:sp>
-        <p:cxnSp>
-          <p:nvCxnSpPr>
-            <p:cNvPr id="26" name="Straight Arrow Connector 25"/>
-            <p:cNvCxnSpPr/>
-            <p:nvPr/>
-          </p:nvCxnSpPr>
-          <p:spPr>
-            <a:xfrm>
-              <a:off x="7315200" y="3427412"/>
-              <a:ext cx="228600" cy="1588"/>
-            </a:xfrm>
-            <a:prstGeom prst="straightConnector1">
-              <a:avLst/>
-            </a:prstGeom>
-            <a:ln w="114300">
-              <a:solidFill>
-                <a:srgbClr val="FF0000"/>
-              </a:solidFill>
-              <a:miter lim="800000"/>
-              <a:headEnd type="none" w="med" len="med"/>
-              <a:tailEnd type="triangle" w="med" len="med"/>
-            </a:ln>
-          </p:spPr>
-          <p:style>
-            <a:lnRef idx="1">
-              <a:schemeClr val="accent1"/>
-            </a:lnRef>
-            <a:fillRef idx="0">
-              <a:schemeClr val="accent1"/>
-            </a:fillRef>
-            <a:effectRef idx="0">
-              <a:schemeClr val="accent1"/>
-            </a:effectRef>
-            <a:fontRef idx="minor">
-              <a:schemeClr val="tx1"/>
-            </a:fontRef>
-          </p:style>
-        </p:cxnSp>
-      </p:grpSp>
     </p:spTree>
   </p:cSld>
   <p:clrMapOvr>
